--- a/Walrus.pptx
+++ b/Walrus.pptx
@@ -227,7 +227,7 @@
           <a:effectLst/>
           <a:extLst>
             <a:ext uri="{91240B29-F687-4f45-9708-019B960494DF}">
-              <a14:hiddenLine xmlns:a14="http://schemas.microsoft.com/office/drawing/2010/main" xmlns="" w="9525">
+              <a14:hiddenLine xmlns="" xmlns:a14="http://schemas.microsoft.com/office/drawing/2010/main" w="9525">
                 <a:solidFill>
                   <a:srgbClr val="000000"/>
                 </a:solidFill>
@@ -420,7 +420,7 @@
             <a:fld id="{08B9EBBA-996F-894A-B54A-D6246ED52CEA}" type="datetimeFigureOut">
               <a:rPr lang="en-US" dirty="0"/>
               <a:pPr/>
-              <a:t>10/2/2018</a:t>
+              <a:t>10/7/2018</a:t>
             </a:fld>
             <a:endParaRPr lang="en-US" dirty="0"/>
           </a:p>
@@ -735,7 +735,7 @@
             <a:fld id="{18C79C5D-2A6F-F04D-97DA-BEF2467B64E4}" type="datetimeFigureOut">
               <a:rPr lang="en-US" dirty="0"/>
               <a:pPr/>
-              <a:t>10/2/2018</a:t>
+              <a:t>10/7/2018</a:t>
             </a:fld>
             <a:endParaRPr lang="en-US" dirty="0"/>
           </a:p>
@@ -1220,7 +1220,7 @@
             <a:fld id="{8DFA1846-DA80-1C48-A609-854EA85C59AD}" type="datetimeFigureOut">
               <a:rPr lang="en-US" dirty="0"/>
               <a:pPr/>
-              <a:t>10/2/2018</a:t>
+              <a:t>10/7/2018</a:t>
             </a:fld>
             <a:endParaRPr lang="en-US" dirty="0"/>
           </a:p>
@@ -1586,7 +1586,7 @@
             <a:fld id="{FBF54567-0DE4-3F47-BF90-CB84690072F9}" type="datetimeFigureOut">
               <a:rPr lang="en-US" dirty="0"/>
               <a:pPr/>
-              <a:t>10/2/2018</a:t>
+              <a:t>10/7/2018</a:t>
             </a:fld>
             <a:endParaRPr lang="en-US" dirty="0"/>
           </a:p>
@@ -1737,7 +1737,7 @@
           <a:ln/>
           <a:extLst>
             <a:ext uri="{91240B29-F687-4f45-9708-019B960494DF}">
-              <a14:hiddenLine xmlns:a14="http://schemas.microsoft.com/office/drawing/2010/main" xmlns="" w="9525">
+              <a14:hiddenLine xmlns="" xmlns:a14="http://schemas.microsoft.com/office/drawing/2010/main" w="9525">
                 <a:solidFill>
                   <a:srgbClr val="000000"/>
                 </a:solidFill>
@@ -1856,7 +1856,7 @@
             <a:fld id="{C6C52C72-DE31-F449-A4ED-4C594FD91407}" type="datetimeFigureOut">
               <a:rPr lang="en-US" dirty="0"/>
               <a:pPr/>
-              <a:t>10/2/2018</a:t>
+              <a:t>10/7/2018</a:t>
             </a:fld>
             <a:endParaRPr lang="en-US" dirty="0"/>
           </a:p>
@@ -2009,7 +2009,7 @@
           <a:ln/>
           <a:extLst>
             <a:ext uri="{91240B29-F687-4f45-9708-019B960494DF}">
-              <a14:hiddenLine xmlns:a14="http://schemas.microsoft.com/office/drawing/2010/main" xmlns="" w="9525">
+              <a14:hiddenLine xmlns="" xmlns:a14="http://schemas.microsoft.com/office/drawing/2010/main" w="9525">
                 <a:solidFill>
                   <a:srgbClr val="000000"/>
                 </a:solidFill>
@@ -2138,7 +2138,7 @@
             <a:fld id="{ED62726E-379B-B349-9EED-81ED093FA806}" type="datetimeFigureOut">
               <a:rPr lang="en-US" dirty="0"/>
               <a:pPr/>
-              <a:t>10/2/2018</a:t>
+              <a:t>10/7/2018</a:t>
             </a:fld>
             <a:endParaRPr lang="en-US" dirty="0"/>
           </a:p>
@@ -2289,7 +2289,7 @@
           <a:ln/>
           <a:extLst>
             <a:ext uri="{91240B29-F687-4f45-9708-019B960494DF}">
-              <a14:hiddenLine xmlns:a14="http://schemas.microsoft.com/office/drawing/2010/main" xmlns="" w="9525">
+              <a14:hiddenLine xmlns="" xmlns:a14="http://schemas.microsoft.com/office/drawing/2010/main" w="9525">
                 <a:solidFill>
                   <a:srgbClr val="000000"/>
                 </a:solidFill>
@@ -2418,7 +2418,7 @@
             <a:fld id="{9B3A1323-8D79-1946-B0D7-40001CF92E9D}" type="datetimeFigureOut">
               <a:rPr lang="en-US" dirty="0"/>
               <a:pPr/>
-              <a:t>10/2/2018</a:t>
+              <a:t>10/7/2018</a:t>
             </a:fld>
             <a:endParaRPr lang="en-US" dirty="0"/>
           </a:p>
@@ -2758,7 +2758,7 @@
             <a:fld id="{8DFA1846-DA80-1C48-A609-854EA85C59AD}" type="datetimeFigureOut">
               <a:rPr lang="en-US" dirty="0"/>
               <a:pPr/>
-              <a:t>10/2/2018</a:t>
+              <a:t>10/7/2018</a:t>
             </a:fld>
             <a:endParaRPr lang="en-US" dirty="0"/>
           </a:p>
@@ -2909,7 +2909,7 @@
           <a:ln/>
           <a:extLst>
             <a:ext uri="{91240B29-F687-4f45-9708-019B960494DF}">
-              <a14:hiddenLine xmlns:a14="http://schemas.microsoft.com/office/drawing/2010/main" xmlns="" w="9525">
+              <a14:hiddenLine xmlns="" xmlns:a14="http://schemas.microsoft.com/office/drawing/2010/main" w="9525">
                 <a:solidFill>
                   <a:srgbClr val="000000"/>
                 </a:solidFill>
@@ -3094,7 +3094,7 @@
             <a:fld id="{57302355-E14B-8545-A8F8-0FE83CC9D524}" type="datetimeFigureOut">
               <a:rPr lang="en-US" dirty="0"/>
               <a:pPr/>
-              <a:t>10/2/2018</a:t>
+              <a:t>10/7/2018</a:t>
             </a:fld>
             <a:endParaRPr lang="en-US" dirty="0"/>
           </a:p>
@@ -3245,7 +3245,7 @@
           <a:ln/>
           <a:extLst>
             <a:ext uri="{91240B29-F687-4f45-9708-019B960494DF}">
-              <a14:hiddenLine xmlns:a14="http://schemas.microsoft.com/office/drawing/2010/main" xmlns="" w="9525">
+              <a14:hiddenLine xmlns="" xmlns:a14="http://schemas.microsoft.com/office/drawing/2010/main" w="9525">
                 <a:solidFill>
                   <a:srgbClr val="000000"/>
                 </a:solidFill>
@@ -3568,7 +3568,7 @@
             <a:fld id="{02640F58-564D-2B4F-AE67-E407BA4FCF45}" type="datetimeFigureOut">
               <a:rPr lang="en-US" dirty="0"/>
               <a:pPr/>
-              <a:t>10/2/2018</a:t>
+              <a:t>10/7/2018</a:t>
             </a:fld>
             <a:endParaRPr lang="en-US" dirty="0"/>
           </a:p>
@@ -3719,7 +3719,7 @@
           <a:ln/>
           <a:extLst>
             <a:ext uri="{91240B29-F687-4f45-9708-019B960494DF}">
-              <a14:hiddenLine xmlns:a14="http://schemas.microsoft.com/office/drawing/2010/main" xmlns="" w="9525">
+              <a14:hiddenLine xmlns="" xmlns:a14="http://schemas.microsoft.com/office/drawing/2010/main" w="9525">
                 <a:solidFill>
                   <a:srgbClr val="000000"/>
                 </a:solidFill>
@@ -3786,7 +3786,7 @@
             <a:fld id="{F13A34C8-038E-2045-AF43-DF7DBB8E0E9E}" type="datetimeFigureOut">
               <a:rPr lang="en-US" dirty="0"/>
               <a:pPr/>
-              <a:t>10/2/2018</a:t>
+              <a:t>10/7/2018</a:t>
             </a:fld>
             <a:endParaRPr lang="en-US" dirty="0"/>
           </a:p>
@@ -3878,7 +3878,7 @@
             <a:fld id="{8818C68F-D26B-8F47-958C-23B49CF8A634}" type="datetimeFigureOut">
               <a:rPr lang="en-US" dirty="0"/>
               <a:pPr/>
-              <a:t>10/2/2018</a:t>
+              <a:t>10/7/2018</a:t>
             </a:fld>
             <a:endParaRPr lang="en-US" dirty="0"/>
           </a:p>
@@ -4142,7 +4142,7 @@
           <a:ln/>
           <a:extLst>
             <a:ext uri="{91240B29-F687-4f45-9708-019B960494DF}">
-              <a14:hiddenLine xmlns:a14="http://schemas.microsoft.com/office/drawing/2010/main" xmlns="" w="9525">
+              <a14:hiddenLine xmlns="" xmlns:a14="http://schemas.microsoft.com/office/drawing/2010/main" w="9525">
                 <a:solidFill>
                   <a:srgbClr val="000000"/>
                 </a:solidFill>
@@ -4342,7 +4342,7 @@
             <a:fld id="{D0DF5E60-9974-AC48-9591-99C2BB44B7CF}" type="datetimeFigureOut">
               <a:rPr lang="en-US" dirty="0"/>
               <a:pPr/>
-              <a:t>10/2/2018</a:t>
+              <a:t>10/7/2018</a:t>
             </a:fld>
             <a:endParaRPr lang="en-US" dirty="0"/>
           </a:p>
@@ -4652,7 +4652,7 @@
             <a:fld id="{18C79C5D-2A6F-F04D-97DA-BEF2467B64E4}" type="datetimeFigureOut">
               <a:rPr lang="en-US" dirty="0"/>
               <a:pPr/>
-              <a:t>10/2/2018</a:t>
+              <a:t>10/7/2018</a:t>
             </a:fld>
             <a:endParaRPr lang="en-US" dirty="0"/>
           </a:p>
@@ -4919,7 +4919,7 @@
             <a:fld id="{09B482E8-6E0E-1B4F-B1FD-C69DB9E858D9}" type="datetimeFigureOut">
               <a:rPr lang="en-US" dirty="0"/>
               <a:pPr/>
-              <a:t>10/2/2018</a:t>
+              <a:t>10/7/2018</a:t>
             </a:fld>
             <a:endParaRPr lang="en-US" dirty="0"/>
           </a:p>
@@ -5493,12 +5493,20 @@
               <a:buChar char="•"/>
             </a:pPr>
             <a:r>
+              <a:rPr lang="en-US" sz="2400" dirty="0">
+                <a:latin typeface="Open Sans" panose="020B0606030504020204" pitchFamily="34" charset="0"/>
+                <a:ea typeface="Open Sans" panose="020B0606030504020204" pitchFamily="34" charset="0"/>
+                <a:cs typeface="Open Sans" panose="020B0606030504020204" pitchFamily="34" charset="0"/>
+              </a:rPr>
+              <a:t>Abhilash R </a:t>
+            </a:r>
+            <a:r>
               <a:rPr lang="en-US" sz="2400" dirty="0" err="1">
                 <a:latin typeface="Open Sans" panose="020B0606030504020204" pitchFamily="34" charset="0"/>
                 <a:ea typeface="Open Sans" panose="020B0606030504020204" pitchFamily="34" charset="0"/>
                 <a:cs typeface="Open Sans" panose="020B0606030504020204" pitchFamily="34" charset="0"/>
               </a:rPr>
-              <a:t>Nimbooze</a:t>
+              <a:t>Namboodiri</a:t>
             </a:r>
             <a:endParaRPr lang="en-US" sz="2400" dirty="0">
               <a:latin typeface="Open Sans" panose="020B0606030504020204" pitchFamily="34" charset="0"/>
@@ -5512,12 +5520,20 @@
               <a:buChar char="•"/>
             </a:pPr>
             <a:r>
+              <a:rPr lang="en-US" sz="2400" dirty="0">
+                <a:latin typeface="Open Sans" panose="020B0606030504020204" pitchFamily="34" charset="0"/>
+                <a:ea typeface="Open Sans" panose="020B0606030504020204" pitchFamily="34" charset="0"/>
+                <a:cs typeface="Open Sans" panose="020B0606030504020204" pitchFamily="34" charset="0"/>
+              </a:rPr>
+              <a:t>Vijay </a:t>
+            </a:r>
+            <a:r>
               <a:rPr lang="en-US" sz="2400" dirty="0" err="1">
                 <a:latin typeface="Open Sans" panose="020B0606030504020204" pitchFamily="34" charset="0"/>
                 <a:ea typeface="Open Sans" panose="020B0606030504020204" pitchFamily="34" charset="0"/>
                 <a:cs typeface="Open Sans" panose="020B0606030504020204" pitchFamily="34" charset="0"/>
               </a:rPr>
-              <a:t>Naina</a:t>
+              <a:t>Koundinya</a:t>
             </a:r>
             <a:endParaRPr lang="en-US" sz="2400" dirty="0">
               <a:latin typeface="Open Sans" panose="020B0606030504020204" pitchFamily="34" charset="0"/>
@@ -5536,8 +5552,21 @@
                 <a:ea typeface="Open Sans" panose="020B0606030504020204" pitchFamily="34" charset="0"/>
                 <a:cs typeface="Open Sans" panose="020B0606030504020204" pitchFamily="34" charset="0"/>
               </a:rPr>
-              <a:t>And Me</a:t>
-            </a:r>
+              <a:t>Shrutheesh Raman </a:t>
+            </a:r>
+            <a:r>
+              <a:rPr lang="en-US" sz="2400" dirty="0" err="1">
+                <a:latin typeface="Open Sans" panose="020B0606030504020204" pitchFamily="34" charset="0"/>
+                <a:ea typeface="Open Sans" panose="020B0606030504020204" pitchFamily="34" charset="0"/>
+                <a:cs typeface="Open Sans" panose="020B0606030504020204" pitchFamily="34" charset="0"/>
+              </a:rPr>
+              <a:t>Iyer</a:t>
+            </a:r>
+            <a:endParaRPr lang="en-US" sz="2400" dirty="0">
+              <a:latin typeface="Open Sans" panose="020B0606030504020204" pitchFamily="34" charset="0"/>
+              <a:ea typeface="Open Sans" panose="020B0606030504020204" pitchFamily="34" charset="0"/>
+              <a:cs typeface="Open Sans" panose="020B0606030504020204" pitchFamily="34" charset="0"/>
+            </a:endParaRPr>
           </a:p>
         </p:txBody>
       </p:sp>
@@ -7666,7 +7695,55 @@
           <a:bodyPr/>
           <a:lstStyle/>
           <a:p>
-            <a:endParaRPr lang="en-IN"/>
+            <a:r>
+              <a:rPr lang="en-US" dirty="0">
+                <a:latin typeface="Open Sans" panose="020B0606030504020204" pitchFamily="34" charset="0"/>
+                <a:ea typeface="Open Sans" panose="020B0606030504020204" pitchFamily="34" charset="0"/>
+                <a:cs typeface="Open Sans" panose="020B0606030504020204" pitchFamily="34" charset="0"/>
+              </a:rPr>
+              <a:t>Vijay K – Worked on Modules Concept Analyzer and Artist Analyzer. Co-implemented UI/UX</a:t>
+            </a:r>
+          </a:p>
+          <a:p>
+            <a:r>
+              <a:rPr lang="en-US" dirty="0">
+                <a:latin typeface="Open Sans" panose="020B0606030504020204" pitchFamily="34" charset="0"/>
+                <a:ea typeface="Open Sans" panose="020B0606030504020204" pitchFamily="34" charset="0"/>
+                <a:cs typeface="Open Sans" panose="020B0606030504020204" pitchFamily="34" charset="0"/>
+              </a:rPr>
+              <a:t>Abhilash R N – Designed User Interface. Co-implemented UI/UX.</a:t>
+            </a:r>
+          </a:p>
+          <a:p>
+            <a:r>
+              <a:rPr lang="en-US" dirty="0">
+                <a:latin typeface="Open Sans" panose="020B0606030504020204" pitchFamily="34" charset="0"/>
+                <a:ea typeface="Open Sans" panose="020B0606030504020204" pitchFamily="34" charset="0"/>
+                <a:cs typeface="Open Sans" panose="020B0606030504020204" pitchFamily="34" charset="0"/>
+              </a:rPr>
+              <a:t>Shrutheesh R </a:t>
+            </a:r>
+            <a:r>
+              <a:rPr lang="en-US" dirty="0" err="1">
+                <a:latin typeface="Open Sans" panose="020B0606030504020204" pitchFamily="34" charset="0"/>
+                <a:ea typeface="Open Sans" panose="020B0606030504020204" pitchFamily="34" charset="0"/>
+                <a:cs typeface="Open Sans" panose="020B0606030504020204" pitchFamily="34" charset="0"/>
+              </a:rPr>
+              <a:t>Iyer</a:t>
+            </a:r>
+            <a:r>
+              <a:rPr lang="en-US" dirty="0">
+                <a:latin typeface="Open Sans" panose="020B0606030504020204" pitchFamily="34" charset="0"/>
+                <a:ea typeface="Open Sans" panose="020B0606030504020204" pitchFamily="34" charset="0"/>
+                <a:cs typeface="Open Sans" panose="020B0606030504020204" pitchFamily="34" charset="0"/>
+              </a:rPr>
+              <a:t> – Worked on Modules Character Similarity and Emotion Analyzer and compiled all functional modules.  </a:t>
+            </a:r>
+            <a:endParaRPr lang="en-IN" dirty="0">
+              <a:latin typeface="Open Sans" panose="020B0606030504020204" pitchFamily="34" charset="0"/>
+              <a:ea typeface="Open Sans" panose="020B0606030504020204" pitchFamily="34" charset="0"/>
+              <a:cs typeface="Open Sans" panose="020B0606030504020204" pitchFamily="34" charset="0"/>
+            </a:endParaRPr>
           </a:p>
         </p:txBody>
       </p:sp>
@@ -7758,6 +7835,10 @@
           <a:bodyPr/>
           <a:lstStyle/>
           <a:p>
+            <a:r>
+              <a:rPr lang="en-US" dirty="0"/>
+              <a:t>K</a:t>
+            </a:r>
             <a:endParaRPr lang="en-IN" dirty="0"/>
           </a:p>
         </p:txBody>
